--- a/vita.pptx
+++ b/vita.pptx
@@ -110,6 +110,11 @@
       </a:defRPr>
     </a:lvl9pPr>
   </p:defaultTextStyle>
+  <p:extLst>
+    <p:ext uri="{EFAFB233-063F-42B5-8137-9DF3F51BA10A}">
+      <p15:sldGuideLst xmlns:p15="http://schemas.microsoft.com/office/powerpoint/2012/main"/>
+    </p:ext>
+  </p:extLst>
 </p:presentation>
 </file>
 
@@ -3922,7 +3927,34 @@
           <a:bodyPr/>
           <a:lstStyle/>
           <a:p>
-            <a:endParaRPr lang="de-DE"/>
+            <a:r>
+              <a:rPr lang="de-DE" dirty="0"/>
+              <a:t>Ali finish Rest </a:t>
+            </a:r>
+            <a:r>
+              <a:rPr lang="de-DE" dirty="0" err="1"/>
+              <a:t>Api</a:t>
+            </a:r>
+            <a:r>
+              <a:rPr lang="de-DE" dirty="0"/>
+              <a:t> </a:t>
+            </a:r>
+            <a:r>
+              <a:rPr lang="de-DE" dirty="0" err="1"/>
+              <a:t>for</a:t>
+            </a:r>
+            <a:r>
+              <a:rPr lang="de-DE" dirty="0"/>
+              <a:t> </a:t>
+            </a:r>
+            <a:r>
+              <a:rPr lang="de-DE" dirty="0" err="1"/>
+              <a:t>our</a:t>
+            </a:r>
+            <a:r>
+              <a:rPr lang="de-DE"/>
+              <a:t> System</a:t>
+            </a:r>
           </a:p>
         </p:txBody>
       </p:sp>

--- a/vita.pptx
+++ b/vita.pptx
@@ -3952,9 +3952,20 @@
               <a:t>our</a:t>
             </a:r>
             <a:r>
+              <a:rPr lang="de-DE" dirty="0"/>
+              <a:t> System</a:t>
+            </a:r>
+          </a:p>
+          <a:p>
+            <a:r>
+              <a:rPr lang="de-DE" dirty="0"/>
+              <a:t>Second </a:t>
+            </a:r>
+            <a:r>
               <a:rPr lang="de-DE"/>
-              <a:t> System</a:t>
-            </a:r>
+              <a:t>service</a:t>
+            </a:r>
+            <a:endParaRPr lang="de-DE" dirty="0"/>
           </a:p>
         </p:txBody>
       </p:sp>

--- a/vita.pptx
+++ b/vita.pptx
@@ -267,7 +267,7 @@
           <a:p>
             <a:fld id="{B9823432-C4CC-4493-A10D-76EE4CA89F0A}" type="datetimeFigureOut">
               <a:rPr lang="de-DE" smtClean="0"/>
-              <a:t>15.02.2023</a:t>
+              <a:t>16.02.2023</a:t>
             </a:fld>
             <a:endParaRPr lang="de-DE"/>
           </a:p>
@@ -321,7 +321,7 @@
           <a:p>
             <a:fld id="{719560F7-1B92-4A11-87E3-DD367ACCBFF5}" type="slidenum">
               <a:rPr lang="de-DE" smtClean="0"/>
-              <a:t>‹#›</a:t>
+              <a:t>‹Nr.›</a:t>
             </a:fld>
             <a:endParaRPr lang="de-DE"/>
           </a:p>
@@ -467,7 +467,7 @@
           <a:p>
             <a:fld id="{B9823432-C4CC-4493-A10D-76EE4CA89F0A}" type="datetimeFigureOut">
               <a:rPr lang="de-DE" smtClean="0"/>
-              <a:t>15.02.2023</a:t>
+              <a:t>16.02.2023</a:t>
             </a:fld>
             <a:endParaRPr lang="de-DE"/>
           </a:p>
@@ -521,7 +521,7 @@
           <a:p>
             <a:fld id="{719560F7-1B92-4A11-87E3-DD367ACCBFF5}" type="slidenum">
               <a:rPr lang="de-DE" smtClean="0"/>
-              <a:t>‹#›</a:t>
+              <a:t>‹Nr.›</a:t>
             </a:fld>
             <a:endParaRPr lang="de-DE"/>
           </a:p>
@@ -677,7 +677,7 @@
           <a:p>
             <a:fld id="{B9823432-C4CC-4493-A10D-76EE4CA89F0A}" type="datetimeFigureOut">
               <a:rPr lang="de-DE" smtClean="0"/>
-              <a:t>15.02.2023</a:t>
+              <a:t>16.02.2023</a:t>
             </a:fld>
             <a:endParaRPr lang="de-DE"/>
           </a:p>
@@ -731,7 +731,7 @@
           <a:p>
             <a:fld id="{719560F7-1B92-4A11-87E3-DD367ACCBFF5}" type="slidenum">
               <a:rPr lang="de-DE" smtClean="0"/>
-              <a:t>‹#›</a:t>
+              <a:t>‹Nr.›</a:t>
             </a:fld>
             <a:endParaRPr lang="de-DE"/>
           </a:p>
@@ -877,7 +877,7 @@
           <a:p>
             <a:fld id="{B9823432-C4CC-4493-A10D-76EE4CA89F0A}" type="datetimeFigureOut">
               <a:rPr lang="de-DE" smtClean="0"/>
-              <a:t>15.02.2023</a:t>
+              <a:t>16.02.2023</a:t>
             </a:fld>
             <a:endParaRPr lang="de-DE"/>
           </a:p>
@@ -931,7 +931,7 @@
           <a:p>
             <a:fld id="{719560F7-1B92-4A11-87E3-DD367ACCBFF5}" type="slidenum">
               <a:rPr lang="de-DE" smtClean="0"/>
-              <a:t>‹#›</a:t>
+              <a:t>‹Nr.›</a:t>
             </a:fld>
             <a:endParaRPr lang="de-DE"/>
           </a:p>
@@ -1153,7 +1153,7 @@
           <a:p>
             <a:fld id="{B9823432-C4CC-4493-A10D-76EE4CA89F0A}" type="datetimeFigureOut">
               <a:rPr lang="de-DE" smtClean="0"/>
-              <a:t>15.02.2023</a:t>
+              <a:t>16.02.2023</a:t>
             </a:fld>
             <a:endParaRPr lang="de-DE"/>
           </a:p>
@@ -1207,7 +1207,7 @@
           <a:p>
             <a:fld id="{719560F7-1B92-4A11-87E3-DD367ACCBFF5}" type="slidenum">
               <a:rPr lang="de-DE" smtClean="0"/>
-              <a:t>‹#›</a:t>
+              <a:t>‹Nr.›</a:t>
             </a:fld>
             <a:endParaRPr lang="de-DE"/>
           </a:p>
@@ -1421,7 +1421,7 @@
           <a:p>
             <a:fld id="{B9823432-C4CC-4493-A10D-76EE4CA89F0A}" type="datetimeFigureOut">
               <a:rPr lang="de-DE" smtClean="0"/>
-              <a:t>15.02.2023</a:t>
+              <a:t>16.02.2023</a:t>
             </a:fld>
             <a:endParaRPr lang="de-DE"/>
           </a:p>
@@ -1475,7 +1475,7 @@
           <a:p>
             <a:fld id="{719560F7-1B92-4A11-87E3-DD367ACCBFF5}" type="slidenum">
               <a:rPr lang="de-DE" smtClean="0"/>
-              <a:t>‹#›</a:t>
+              <a:t>‹Nr.›</a:t>
             </a:fld>
             <a:endParaRPr lang="de-DE"/>
           </a:p>
@@ -1836,7 +1836,7 @@
           <a:p>
             <a:fld id="{B9823432-C4CC-4493-A10D-76EE4CA89F0A}" type="datetimeFigureOut">
               <a:rPr lang="de-DE" smtClean="0"/>
-              <a:t>15.02.2023</a:t>
+              <a:t>16.02.2023</a:t>
             </a:fld>
             <a:endParaRPr lang="de-DE"/>
           </a:p>
@@ -1890,7 +1890,7 @@
           <a:p>
             <a:fld id="{719560F7-1B92-4A11-87E3-DD367ACCBFF5}" type="slidenum">
               <a:rPr lang="de-DE" smtClean="0"/>
-              <a:t>‹#›</a:t>
+              <a:t>‹Nr.›</a:t>
             </a:fld>
             <a:endParaRPr lang="de-DE"/>
           </a:p>
@@ -1978,7 +1978,7 @@
           <a:p>
             <a:fld id="{B9823432-C4CC-4493-A10D-76EE4CA89F0A}" type="datetimeFigureOut">
               <a:rPr lang="de-DE" smtClean="0"/>
-              <a:t>15.02.2023</a:t>
+              <a:t>16.02.2023</a:t>
             </a:fld>
             <a:endParaRPr lang="de-DE"/>
           </a:p>
@@ -2032,7 +2032,7 @@
           <a:p>
             <a:fld id="{719560F7-1B92-4A11-87E3-DD367ACCBFF5}" type="slidenum">
               <a:rPr lang="de-DE" smtClean="0"/>
-              <a:t>‹#›</a:t>
+              <a:t>‹Nr.›</a:t>
             </a:fld>
             <a:endParaRPr lang="de-DE"/>
           </a:p>
@@ -2091,7 +2091,7 @@
           <a:p>
             <a:fld id="{B9823432-C4CC-4493-A10D-76EE4CA89F0A}" type="datetimeFigureOut">
               <a:rPr lang="de-DE" smtClean="0"/>
-              <a:t>15.02.2023</a:t>
+              <a:t>16.02.2023</a:t>
             </a:fld>
             <a:endParaRPr lang="de-DE"/>
           </a:p>
@@ -2145,7 +2145,7 @@
           <a:p>
             <a:fld id="{719560F7-1B92-4A11-87E3-DD367ACCBFF5}" type="slidenum">
               <a:rPr lang="de-DE" smtClean="0"/>
-              <a:t>‹#›</a:t>
+              <a:t>‹Nr.›</a:t>
             </a:fld>
             <a:endParaRPr lang="de-DE"/>
           </a:p>
@@ -2404,7 +2404,7 @@
           <a:p>
             <a:fld id="{B9823432-C4CC-4493-A10D-76EE4CA89F0A}" type="datetimeFigureOut">
               <a:rPr lang="de-DE" smtClean="0"/>
-              <a:t>15.02.2023</a:t>
+              <a:t>16.02.2023</a:t>
             </a:fld>
             <a:endParaRPr lang="de-DE"/>
           </a:p>
@@ -2458,7 +2458,7 @@
           <a:p>
             <a:fld id="{719560F7-1B92-4A11-87E3-DD367ACCBFF5}" type="slidenum">
               <a:rPr lang="de-DE" smtClean="0"/>
-              <a:t>‹#›</a:t>
+              <a:t>‹Nr.›</a:t>
             </a:fld>
             <a:endParaRPr lang="de-DE"/>
           </a:p>
@@ -2693,7 +2693,7 @@
           <a:p>
             <a:fld id="{B9823432-C4CC-4493-A10D-76EE4CA89F0A}" type="datetimeFigureOut">
               <a:rPr lang="de-DE" smtClean="0"/>
-              <a:t>15.02.2023</a:t>
+              <a:t>16.02.2023</a:t>
             </a:fld>
             <a:endParaRPr lang="de-DE"/>
           </a:p>
@@ -2747,7 +2747,7 @@
           <a:p>
             <a:fld id="{719560F7-1B92-4A11-87E3-DD367ACCBFF5}" type="slidenum">
               <a:rPr lang="de-DE" smtClean="0"/>
-              <a:t>‹#›</a:t>
+              <a:t>‹Nr.›</a:t>
             </a:fld>
             <a:endParaRPr lang="de-DE"/>
           </a:p>
@@ -2936,7 +2936,7 @@
           <a:p>
             <a:fld id="{B9823432-C4CC-4493-A10D-76EE4CA89F0A}" type="datetimeFigureOut">
               <a:rPr lang="de-DE" smtClean="0"/>
-              <a:t>15.02.2023</a:t>
+              <a:t>16.02.2023</a:t>
             </a:fld>
             <a:endParaRPr lang="de-DE"/>
           </a:p>
@@ -3026,7 +3026,7 @@
           <a:p>
             <a:fld id="{719560F7-1B92-4A11-87E3-DD367ACCBFF5}" type="slidenum">
               <a:rPr lang="de-DE" smtClean="0"/>
-              <a:t>‹#›</a:t>
+              <a:t>‹Nr.›</a:t>
             </a:fld>
             <a:endParaRPr lang="de-DE"/>
           </a:p>
@@ -3420,10 +3420,49 @@
         </p:nvSpPr>
         <p:spPr/>
         <p:txBody>
-          <a:bodyPr/>
-          <a:lstStyle/>
-          <a:p>
-            <a:endParaRPr lang="de-DE"/>
+          <a:bodyPr>
+            <a:normAutofit fontScale="77500" lnSpcReduction="20000"/>
+          </a:bodyPr>
+          <a:lstStyle/>
+          <a:p>
+            <a:r>
+              <a:rPr lang="de-DE"/>
+              <a:t>back-end </a:t>
+            </a:r>
+            <a:r>
+              <a:rPr lang="de-DE" dirty="0"/>
+              <a:t>Herr Koop</a:t>
+            </a:r>
+          </a:p>
+          <a:p>
+            <a:r>
+              <a:rPr lang="de-DE" dirty="0"/>
+              <a:t>Front End Ahmadi</a:t>
+            </a:r>
+          </a:p>
+          <a:p>
+            <a:r>
+              <a:rPr lang="de-DE" dirty="0"/>
+              <a:t>Unit Test : Nobert</a:t>
+            </a:r>
+          </a:p>
+          <a:p>
+            <a:r>
+              <a:rPr lang="de-DE" dirty="0"/>
+              <a:t>Database: Frau Stamm</a:t>
+            </a:r>
+          </a:p>
+          <a:p>
+            <a:r>
+              <a:rPr lang="de-DE" dirty="0"/>
+              <a:t>Dokumentation : Ahmet</a:t>
+            </a:r>
+          </a:p>
+          <a:p>
+            <a:endParaRPr lang="de-DE" dirty="0"/>
+          </a:p>
+          <a:p>
+            <a:endParaRPr lang="de-DE" dirty="0"/>
           </a:p>
         </p:txBody>
       </p:sp>
@@ -3962,7 +4001,7 @@
               <a:t>Second </a:t>
             </a:r>
             <a:r>
-              <a:rPr lang="de-DE"/>
+              <a:rPr lang="de-DE" dirty="0" err="1"/>
               <a:t>service</a:t>
             </a:r>
             <a:endParaRPr lang="de-DE" dirty="0"/>

--- a/vita.pptx
+++ b/vita.pptx
@@ -6,12 +6,13 @@
   </p:sldMasterIdLst>
   <p:sldIdLst>
     <p:sldId id="256" r:id="rId2"/>
-    <p:sldId id="257" r:id="rId3"/>
-    <p:sldId id="258" r:id="rId4"/>
-    <p:sldId id="259" r:id="rId5"/>
-    <p:sldId id="260" r:id="rId6"/>
-    <p:sldId id="261" r:id="rId7"/>
-    <p:sldId id="262" r:id="rId8"/>
+    <p:sldId id="263" r:id="rId3"/>
+    <p:sldId id="257" r:id="rId4"/>
+    <p:sldId id="258" r:id="rId5"/>
+    <p:sldId id="259" r:id="rId6"/>
+    <p:sldId id="260" r:id="rId7"/>
+    <p:sldId id="261" r:id="rId8"/>
+    <p:sldId id="262" r:id="rId9"/>
   </p:sldIdLst>
   <p:sldSz cx="12192000" cy="6858000"/>
   <p:notesSz cx="6858000" cy="9144000"/>
@@ -3498,10 +3499,10 @@
       </p:grpSpPr>
       <p:sp>
         <p:nvSpPr>
-          <p:cNvPr id="2" name="Title 1">
-            <a:extLst>
-              <a:ext uri="{FF2B5EF4-FFF2-40B4-BE49-F238E27FC236}">
-                <a16:creationId xmlns:a16="http://schemas.microsoft.com/office/drawing/2014/main" id="{C02306C7-5DF8-06DD-566D-E4E5B0DBB363}"/>
+          <p:cNvPr id="2" name="Titel 1">
+            <a:extLst>
+              <a:ext uri="{FF2B5EF4-FFF2-40B4-BE49-F238E27FC236}">
+                <a16:creationId xmlns:a16="http://schemas.microsoft.com/office/drawing/2014/main" id="{0234A9A9-0D79-954A-9096-64DD439D4277}"/>
               </a:ext>
             </a:extLst>
           </p:cNvPr>
@@ -3518,32 +3519,247 @@
           <a:lstStyle/>
           <a:p>
             <a:r>
+              <a:rPr lang="de-DE" dirty="0" err="1"/>
+              <a:t>help</a:t>
+            </a:r>
+            <a:endParaRPr lang="de-DE" dirty="0"/>
+          </a:p>
+        </p:txBody>
+      </p:sp>
+      <p:sp>
+        <p:nvSpPr>
+          <p:cNvPr id="3" name="Inhaltsplatzhalter 2">
+            <a:extLst>
+              <a:ext uri="{FF2B5EF4-FFF2-40B4-BE49-F238E27FC236}">
+                <a16:creationId xmlns:a16="http://schemas.microsoft.com/office/drawing/2014/main" id="{47B09C99-8D7C-18BB-1C12-D3FE1EB71D29}"/>
+              </a:ext>
+            </a:extLst>
+          </p:cNvPr>
+          <p:cNvSpPr>
+            <a:spLocks noGrp="1"/>
+          </p:cNvSpPr>
+          <p:nvPr>
+            <p:ph idx="1"/>
+          </p:nvPr>
+        </p:nvSpPr>
+        <p:spPr/>
+        <p:txBody>
+          <a:bodyPr/>
+          <a:lstStyle/>
+          <a:p>
+            <a:r>
+              <a:rPr lang="de-DE" dirty="0" err="1"/>
+              <a:t>git</a:t>
+            </a:r>
+            <a:r>
               <a:rPr lang="de-DE" dirty="0"/>
-              <a:t>Back end</a:t>
-            </a:r>
-          </a:p>
-        </p:txBody>
-      </p:sp>
-      <p:sp>
-        <p:nvSpPr>
-          <p:cNvPr id="3" name="Content Placeholder 2">
-            <a:extLst>
-              <a:ext uri="{FF2B5EF4-FFF2-40B4-BE49-F238E27FC236}">
-                <a16:creationId xmlns:a16="http://schemas.microsoft.com/office/drawing/2014/main" id="{CE9EE882-ADE6-73EE-4CED-2EB4FE253050}"/>
-              </a:ext>
-            </a:extLst>
-          </p:cNvPr>
-          <p:cNvSpPr>
-            <a:spLocks noGrp="1"/>
-          </p:cNvSpPr>
-          <p:nvPr>
-            <p:ph idx="1"/>
-          </p:nvPr>
-        </p:nvSpPr>
-        <p:spPr/>
-        <p:txBody>
-          <a:bodyPr/>
-          <a:lstStyle/>
+              <a:t> pull </a:t>
+            </a:r>
+          </a:p>
+          <a:p>
+            <a:pPr lvl="1"/>
+            <a:r>
+              <a:rPr lang="de-DE" dirty="0"/>
+              <a:t>Update </a:t>
+            </a:r>
+            <a:r>
+              <a:rPr lang="de-DE" dirty="0" err="1"/>
+              <a:t>your</a:t>
+            </a:r>
+            <a:r>
+              <a:rPr lang="de-DE" dirty="0"/>
+              <a:t> local code</a:t>
+            </a:r>
+          </a:p>
+          <a:p>
+            <a:r>
+              <a:rPr lang="de-DE" dirty="0" err="1"/>
+              <a:t>git</a:t>
+            </a:r>
+            <a:r>
+              <a:rPr lang="de-DE" dirty="0"/>
+              <a:t> push </a:t>
+            </a:r>
+            <a:r>
+              <a:rPr lang="de-DE" dirty="0" err="1"/>
+              <a:t>origin</a:t>
+            </a:r>
+            <a:r>
+              <a:rPr lang="de-DE" dirty="0"/>
+              <a:t> </a:t>
+            </a:r>
+            <a:r>
+              <a:rPr lang="de-DE" dirty="0" err="1"/>
+              <a:t>main</a:t>
+            </a:r>
+            <a:endParaRPr lang="de-DE" dirty="0"/>
+          </a:p>
+          <a:p>
+            <a:pPr lvl="1"/>
+            <a:r>
+              <a:rPr lang="de-DE" dirty="0"/>
+              <a:t>After </a:t>
+            </a:r>
+            <a:r>
+              <a:rPr lang="de-DE" dirty="0" err="1"/>
+              <a:t>commit</a:t>
+            </a:r>
+            <a:r>
+              <a:rPr lang="de-DE" dirty="0"/>
+              <a:t> </a:t>
+            </a:r>
+            <a:r>
+              <a:rPr lang="de-DE" dirty="0" err="1"/>
+              <a:t>your</a:t>
+            </a:r>
+            <a:r>
+              <a:rPr lang="de-DE" dirty="0"/>
+              <a:t> </a:t>
+            </a:r>
+            <a:r>
+              <a:rPr lang="de-DE" dirty="0" err="1"/>
+              <a:t>changes</a:t>
+            </a:r>
+            <a:r>
+              <a:rPr lang="de-DE" dirty="0"/>
+              <a:t> </a:t>
+            </a:r>
+            <a:r>
+              <a:rPr lang="de-DE" dirty="0" err="1"/>
+              <a:t>use</a:t>
+            </a:r>
+            <a:r>
+              <a:rPr lang="de-DE" dirty="0"/>
+              <a:t> </a:t>
+            </a:r>
+            <a:r>
+              <a:rPr lang="de-DE" dirty="0" err="1"/>
+              <a:t>this</a:t>
+            </a:r>
+            <a:r>
+              <a:rPr lang="de-DE" dirty="0"/>
+              <a:t> </a:t>
+            </a:r>
+            <a:r>
+              <a:rPr lang="de-DE" dirty="0" err="1"/>
+              <a:t>command</a:t>
+            </a:r>
+            <a:r>
+              <a:rPr lang="de-DE" dirty="0"/>
+              <a:t> to update remote </a:t>
+            </a:r>
+            <a:r>
+              <a:rPr lang="de-DE" dirty="0" err="1"/>
+              <a:t>main</a:t>
+            </a:r>
+            <a:r>
+              <a:rPr lang="de-DE" dirty="0"/>
+              <a:t> </a:t>
+            </a:r>
+            <a:r>
+              <a:rPr lang="de-DE" dirty="0" err="1"/>
+              <a:t>repository</a:t>
+            </a:r>
+            <a:endParaRPr lang="de-DE" dirty="0"/>
+          </a:p>
+          <a:p>
+            <a:r>
+              <a:rPr lang="de-DE" dirty="0" err="1"/>
+              <a:t>git</a:t>
+            </a:r>
+            <a:r>
+              <a:rPr lang="de-DE" dirty="0"/>
+              <a:t> </a:t>
+            </a:r>
+            <a:r>
+              <a:rPr lang="de-DE" dirty="0" err="1"/>
+              <a:t>commit</a:t>
+            </a:r>
+            <a:r>
+              <a:rPr lang="de-DE" dirty="0"/>
+              <a:t> –m „</a:t>
+            </a:r>
+            <a:r>
+              <a:rPr lang="de-DE" dirty="0" err="1"/>
+              <a:t>please</a:t>
+            </a:r>
+            <a:r>
+              <a:rPr lang="de-DE" dirty="0"/>
+              <a:t> </a:t>
+            </a:r>
+            <a:r>
+              <a:rPr lang="de-DE" dirty="0" err="1"/>
+              <a:t>write</a:t>
+            </a:r>
+            <a:r>
+              <a:rPr lang="de-DE" dirty="0"/>
+              <a:t> </a:t>
+            </a:r>
+            <a:r>
+              <a:rPr lang="de-DE" dirty="0" err="1"/>
+              <a:t>your</a:t>
+            </a:r>
+            <a:r>
+              <a:rPr lang="de-DE" dirty="0"/>
+              <a:t> </a:t>
+            </a:r>
+            <a:r>
+              <a:rPr lang="de-DE" dirty="0" err="1"/>
+              <a:t>name</a:t>
+            </a:r>
+            <a:r>
+              <a:rPr lang="de-DE" dirty="0"/>
+              <a:t> and </a:t>
+            </a:r>
+            <a:r>
+              <a:rPr lang="de-DE" dirty="0" err="1"/>
+              <a:t>short</a:t>
+            </a:r>
+            <a:r>
+              <a:rPr lang="de-DE" dirty="0"/>
+              <a:t> </a:t>
+            </a:r>
+            <a:r>
+              <a:rPr lang="de-DE" dirty="0" err="1"/>
+              <a:t>description</a:t>
+            </a:r>
+            <a:r>
+              <a:rPr lang="de-DE" dirty="0"/>
+              <a:t> </a:t>
+            </a:r>
+            <a:r>
+              <a:rPr lang="de-DE" dirty="0" err="1"/>
+              <a:t>about</a:t>
+            </a:r>
+            <a:r>
+              <a:rPr lang="de-DE" dirty="0"/>
+              <a:t> </a:t>
+            </a:r>
+            <a:r>
+              <a:rPr lang="de-DE" dirty="0" err="1"/>
+              <a:t>what</a:t>
+            </a:r>
+            <a:r>
+              <a:rPr lang="de-DE" dirty="0"/>
+              <a:t> </a:t>
+            </a:r>
+            <a:r>
+              <a:rPr lang="de-DE" dirty="0" err="1"/>
+              <a:t>you</a:t>
+            </a:r>
+            <a:r>
+              <a:rPr lang="de-DE" dirty="0"/>
+              <a:t> </a:t>
+            </a:r>
+            <a:r>
+              <a:rPr lang="de-DE" dirty="0" err="1"/>
+              <a:t>did</a:t>
+            </a:r>
+            <a:r>
+              <a:rPr lang="de-DE" dirty="0"/>
+              <a:t>“</a:t>
+            </a:r>
+          </a:p>
           <a:p>
             <a:endParaRPr lang="de-DE" dirty="0"/>
           </a:p>
@@ -3552,7 +3768,7 @@
     </p:spTree>
     <p:extLst>
       <p:ext uri="{BB962C8B-B14F-4D97-AF65-F5344CB8AC3E}">
-        <p14:creationId xmlns:p14="http://schemas.microsoft.com/office/powerpoint/2010/main" val="1195000517"/>
+        <p14:creationId xmlns:p14="http://schemas.microsoft.com/office/powerpoint/2010/main" val="470657948"/>
       </p:ext>
     </p:extLst>
   </p:cSld>
@@ -3584,7 +3800,7 @@
           <p:cNvPr id="2" name="Title 1">
             <a:extLst>
               <a:ext uri="{FF2B5EF4-FFF2-40B4-BE49-F238E27FC236}">
-                <a16:creationId xmlns:a16="http://schemas.microsoft.com/office/drawing/2014/main" id="{9DC34879-F417-5E55-7BF3-D2946FC858F1}"/>
+                <a16:creationId xmlns:a16="http://schemas.microsoft.com/office/drawing/2014/main" id="{C02306C7-5DF8-06DD-566D-E4E5B0DBB363}"/>
               </a:ext>
             </a:extLst>
           </p:cNvPr>
@@ -3602,7 +3818,7 @@
           <a:p>
             <a:r>
               <a:rPr lang="de-DE" dirty="0"/>
-              <a:t>Fron End</a:t>
+              <a:t>Back end</a:t>
             </a:r>
           </a:p>
         </p:txBody>
@@ -3612,7 +3828,7 @@
           <p:cNvPr id="3" name="Content Placeholder 2">
             <a:extLst>
               <a:ext uri="{FF2B5EF4-FFF2-40B4-BE49-F238E27FC236}">
-                <a16:creationId xmlns:a16="http://schemas.microsoft.com/office/drawing/2014/main" id="{2285F4F5-82AF-F85F-43A2-3BF98EDC6763}"/>
+                <a16:creationId xmlns:a16="http://schemas.microsoft.com/office/drawing/2014/main" id="{CE9EE882-ADE6-73EE-4CED-2EB4FE253050}"/>
               </a:ext>
             </a:extLst>
           </p:cNvPr>
@@ -3628,14 +3844,14 @@
           <a:bodyPr/>
           <a:lstStyle/>
           <a:p>
-            <a:endParaRPr lang="de-DE"/>
+            <a:endParaRPr lang="de-DE" dirty="0"/>
           </a:p>
         </p:txBody>
       </p:sp>
     </p:spTree>
     <p:extLst>
       <p:ext uri="{BB962C8B-B14F-4D97-AF65-F5344CB8AC3E}">
-        <p14:creationId xmlns:p14="http://schemas.microsoft.com/office/powerpoint/2010/main" val="1441182910"/>
+        <p14:creationId xmlns:p14="http://schemas.microsoft.com/office/powerpoint/2010/main" val="1195000517"/>
       </p:ext>
     </p:extLst>
   </p:cSld>
@@ -3667,7 +3883,7 @@
           <p:cNvPr id="2" name="Title 1">
             <a:extLst>
               <a:ext uri="{FF2B5EF4-FFF2-40B4-BE49-F238E27FC236}">
-                <a16:creationId xmlns:a16="http://schemas.microsoft.com/office/drawing/2014/main" id="{A41738F7-E632-D5D1-4D2A-DCA5DADDF283}"/>
+                <a16:creationId xmlns:a16="http://schemas.microsoft.com/office/drawing/2014/main" id="{9DC34879-F417-5E55-7BF3-D2946FC858F1}"/>
               </a:ext>
             </a:extLst>
           </p:cNvPr>
@@ -3685,13 +3901,8 @@
           <a:p>
             <a:r>
               <a:rPr lang="de-DE" dirty="0"/>
-              <a:t>Unit </a:t>
-            </a:r>
-            <a:r>
-              <a:rPr lang="de-DE" dirty="0" err="1"/>
-              <a:t>test</a:t>
-            </a:r>
-            <a:endParaRPr lang="de-DE" dirty="0"/>
+              <a:t>Fron End</a:t>
+            </a:r>
           </a:p>
         </p:txBody>
       </p:sp>
@@ -3700,7 +3911,7 @@
           <p:cNvPr id="3" name="Content Placeholder 2">
             <a:extLst>
               <a:ext uri="{FF2B5EF4-FFF2-40B4-BE49-F238E27FC236}">
-                <a16:creationId xmlns:a16="http://schemas.microsoft.com/office/drawing/2014/main" id="{F02DC566-49DE-FBA1-741A-AF40E7D16D3D}"/>
+                <a16:creationId xmlns:a16="http://schemas.microsoft.com/office/drawing/2014/main" id="{2285F4F5-82AF-F85F-43A2-3BF98EDC6763}"/>
               </a:ext>
             </a:extLst>
           </p:cNvPr>
@@ -3723,7 +3934,7 @@
     </p:spTree>
     <p:extLst>
       <p:ext uri="{BB962C8B-B14F-4D97-AF65-F5344CB8AC3E}">
-        <p14:creationId xmlns:p14="http://schemas.microsoft.com/office/powerpoint/2010/main" val="2988632346"/>
+        <p14:creationId xmlns:p14="http://schemas.microsoft.com/office/powerpoint/2010/main" val="1441182910"/>
       </p:ext>
     </p:extLst>
   </p:cSld>
@@ -3755,7 +3966,7 @@
           <p:cNvPr id="2" name="Title 1">
             <a:extLst>
               <a:ext uri="{FF2B5EF4-FFF2-40B4-BE49-F238E27FC236}">
-                <a16:creationId xmlns:a16="http://schemas.microsoft.com/office/drawing/2014/main" id="{557C2D8B-ADCB-53D6-2B73-04ECCCA25BF7}"/>
+                <a16:creationId xmlns:a16="http://schemas.microsoft.com/office/drawing/2014/main" id="{A41738F7-E632-D5D1-4D2A-DCA5DADDF283}"/>
               </a:ext>
             </a:extLst>
           </p:cNvPr>
@@ -3773,8 +3984,13 @@
           <a:p>
             <a:r>
               <a:rPr lang="de-DE" dirty="0"/>
-              <a:t>Database Design</a:t>
-            </a:r>
+              <a:t>Unit </a:t>
+            </a:r>
+            <a:r>
+              <a:rPr lang="de-DE" dirty="0" err="1"/>
+              <a:t>test</a:t>
+            </a:r>
+            <a:endParaRPr lang="de-DE" dirty="0"/>
           </a:p>
         </p:txBody>
       </p:sp>
@@ -3783,7 +3999,7 @@
           <p:cNvPr id="3" name="Content Placeholder 2">
             <a:extLst>
               <a:ext uri="{FF2B5EF4-FFF2-40B4-BE49-F238E27FC236}">
-                <a16:creationId xmlns:a16="http://schemas.microsoft.com/office/drawing/2014/main" id="{A491313C-C3D9-93AC-043F-44B3DAD473B3}"/>
+                <a16:creationId xmlns:a16="http://schemas.microsoft.com/office/drawing/2014/main" id="{F02DC566-49DE-FBA1-741A-AF40E7D16D3D}"/>
               </a:ext>
             </a:extLst>
           </p:cNvPr>
@@ -3806,7 +4022,7 @@
     </p:spTree>
     <p:extLst>
       <p:ext uri="{BB962C8B-B14F-4D97-AF65-F5344CB8AC3E}">
-        <p14:creationId xmlns:p14="http://schemas.microsoft.com/office/powerpoint/2010/main" val="2661791940"/>
+        <p14:creationId xmlns:p14="http://schemas.microsoft.com/office/powerpoint/2010/main" val="2988632346"/>
       </p:ext>
     </p:extLst>
   </p:cSld>
@@ -3838,6 +4054,89 @@
           <p:cNvPr id="2" name="Title 1">
             <a:extLst>
               <a:ext uri="{FF2B5EF4-FFF2-40B4-BE49-F238E27FC236}">
+                <a16:creationId xmlns:a16="http://schemas.microsoft.com/office/drawing/2014/main" id="{557C2D8B-ADCB-53D6-2B73-04ECCCA25BF7}"/>
+              </a:ext>
+            </a:extLst>
+          </p:cNvPr>
+          <p:cNvSpPr>
+            <a:spLocks noGrp="1"/>
+          </p:cNvSpPr>
+          <p:nvPr>
+            <p:ph type="title"/>
+          </p:nvPr>
+        </p:nvSpPr>
+        <p:spPr/>
+        <p:txBody>
+          <a:bodyPr/>
+          <a:lstStyle/>
+          <a:p>
+            <a:r>
+              <a:rPr lang="de-DE" dirty="0"/>
+              <a:t>Database Design</a:t>
+            </a:r>
+          </a:p>
+        </p:txBody>
+      </p:sp>
+      <p:sp>
+        <p:nvSpPr>
+          <p:cNvPr id="3" name="Content Placeholder 2">
+            <a:extLst>
+              <a:ext uri="{FF2B5EF4-FFF2-40B4-BE49-F238E27FC236}">
+                <a16:creationId xmlns:a16="http://schemas.microsoft.com/office/drawing/2014/main" id="{A491313C-C3D9-93AC-043F-44B3DAD473B3}"/>
+              </a:ext>
+            </a:extLst>
+          </p:cNvPr>
+          <p:cNvSpPr>
+            <a:spLocks noGrp="1"/>
+          </p:cNvSpPr>
+          <p:nvPr>
+            <p:ph idx="1"/>
+          </p:nvPr>
+        </p:nvSpPr>
+        <p:spPr/>
+        <p:txBody>
+          <a:bodyPr/>
+          <a:lstStyle/>
+          <a:p>
+            <a:endParaRPr lang="de-DE"/>
+          </a:p>
+        </p:txBody>
+      </p:sp>
+    </p:spTree>
+    <p:extLst>
+      <p:ext uri="{BB962C8B-B14F-4D97-AF65-F5344CB8AC3E}">
+        <p14:creationId xmlns:p14="http://schemas.microsoft.com/office/powerpoint/2010/main" val="2661791940"/>
+      </p:ext>
+    </p:extLst>
+  </p:cSld>
+  <p:clrMapOvr>
+    <a:masterClrMapping/>
+  </p:clrMapOvr>
+</p:sld>
+</file>
+
+<file path=ppt/slides/slide7.xml><?xml version="1.0" encoding="utf-8"?>
+<p:sld xmlns:a="http://schemas.openxmlformats.org/drawingml/2006/main" xmlns:r="http://schemas.openxmlformats.org/officeDocument/2006/relationships" xmlns:p="http://schemas.openxmlformats.org/presentationml/2006/main">
+  <p:cSld>
+    <p:spTree>
+      <p:nvGrpSpPr>
+        <p:cNvPr id="1" name=""/>
+        <p:cNvGrpSpPr/>
+        <p:nvPr/>
+      </p:nvGrpSpPr>
+      <p:grpSpPr>
+        <a:xfrm>
+          <a:off x="0" y="0"/>
+          <a:ext cx="0" cy="0"/>
+          <a:chOff x="0" y="0"/>
+          <a:chExt cx="0" cy="0"/>
+        </a:xfrm>
+      </p:grpSpPr>
+      <p:sp>
+        <p:nvSpPr>
+          <p:cNvPr id="2" name="Title 1">
+            <a:extLst>
+              <a:ext uri="{FF2B5EF4-FFF2-40B4-BE49-F238E27FC236}">
                 <a16:creationId xmlns:a16="http://schemas.microsoft.com/office/drawing/2014/main" id="{06B7DAAD-B6B3-2AB8-061D-82D7168BDC31}"/>
               </a:ext>
             </a:extLst>
@@ -3900,7 +4199,7 @@
 </p:sld>
 </file>
 
-<file path=ppt/slides/slide7.xml><?xml version="1.0" encoding="utf-8"?>
+<file path=ppt/slides/slide8.xml><?xml version="1.0" encoding="utf-8"?>
 <p:sld xmlns:a="http://schemas.openxmlformats.org/drawingml/2006/main" xmlns:r="http://schemas.openxmlformats.org/officeDocument/2006/relationships" xmlns:p="http://schemas.openxmlformats.org/presentationml/2006/main">
   <p:cSld>
     <p:spTree>

--- a/vita.pptx
+++ b/vita.pptx
@@ -4098,7 +4098,28 @@
           <a:bodyPr/>
           <a:lstStyle/>
           <a:p>
-            <a:endParaRPr lang="de-DE"/>
+            <a:r>
+              <a:rPr lang="de-DE" dirty="0" err="1"/>
+              <a:t>Aaa</a:t>
+            </a:r>
+            <a:endParaRPr lang="de-DE" dirty="0"/>
+          </a:p>
+          <a:p>
+            <a:r>
+              <a:rPr lang="de-DE" dirty="0" err="1"/>
+              <a:t>Bbb</a:t>
+            </a:r>
+            <a:endParaRPr lang="de-DE" dirty="0"/>
+          </a:p>
+          <a:p>
+            <a:r>
+              <a:rPr lang="de-DE" dirty="0" err="1"/>
+              <a:t>Ccc</a:t>
+            </a:r>
+            <a:endParaRPr lang="de-DE" dirty="0"/>
+          </a:p>
+          <a:p>
+            <a:endParaRPr lang="de-DE" dirty="0"/>
           </a:p>
         </p:txBody>
       </p:sp>

--- a/vita.pptx
+++ b/vita.pptx
@@ -268,7 +268,7 @@
           <a:p>
             <a:fld id="{B9823432-C4CC-4493-A10D-76EE4CA89F0A}" type="datetimeFigureOut">
               <a:rPr lang="de-DE" smtClean="0"/>
-              <a:t>16.02.2023</a:t>
+              <a:t>17.02.2023</a:t>
             </a:fld>
             <a:endParaRPr lang="de-DE"/>
           </a:p>
@@ -468,7 +468,7 @@
           <a:p>
             <a:fld id="{B9823432-C4CC-4493-A10D-76EE4CA89F0A}" type="datetimeFigureOut">
               <a:rPr lang="de-DE" smtClean="0"/>
-              <a:t>16.02.2023</a:t>
+              <a:t>17.02.2023</a:t>
             </a:fld>
             <a:endParaRPr lang="de-DE"/>
           </a:p>
@@ -678,7 +678,7 @@
           <a:p>
             <a:fld id="{B9823432-C4CC-4493-A10D-76EE4CA89F0A}" type="datetimeFigureOut">
               <a:rPr lang="de-DE" smtClean="0"/>
-              <a:t>16.02.2023</a:t>
+              <a:t>17.02.2023</a:t>
             </a:fld>
             <a:endParaRPr lang="de-DE"/>
           </a:p>
@@ -878,7 +878,7 @@
           <a:p>
             <a:fld id="{B9823432-C4CC-4493-A10D-76EE4CA89F0A}" type="datetimeFigureOut">
               <a:rPr lang="de-DE" smtClean="0"/>
-              <a:t>16.02.2023</a:t>
+              <a:t>17.02.2023</a:t>
             </a:fld>
             <a:endParaRPr lang="de-DE"/>
           </a:p>
@@ -1154,7 +1154,7 @@
           <a:p>
             <a:fld id="{B9823432-C4CC-4493-A10D-76EE4CA89F0A}" type="datetimeFigureOut">
               <a:rPr lang="de-DE" smtClean="0"/>
-              <a:t>16.02.2023</a:t>
+              <a:t>17.02.2023</a:t>
             </a:fld>
             <a:endParaRPr lang="de-DE"/>
           </a:p>
@@ -1422,7 +1422,7 @@
           <a:p>
             <a:fld id="{B9823432-C4CC-4493-A10D-76EE4CA89F0A}" type="datetimeFigureOut">
               <a:rPr lang="de-DE" smtClean="0"/>
-              <a:t>16.02.2023</a:t>
+              <a:t>17.02.2023</a:t>
             </a:fld>
             <a:endParaRPr lang="de-DE"/>
           </a:p>
@@ -1837,7 +1837,7 @@
           <a:p>
             <a:fld id="{B9823432-C4CC-4493-A10D-76EE4CA89F0A}" type="datetimeFigureOut">
               <a:rPr lang="de-DE" smtClean="0"/>
-              <a:t>16.02.2023</a:t>
+              <a:t>17.02.2023</a:t>
             </a:fld>
             <a:endParaRPr lang="de-DE"/>
           </a:p>
@@ -1979,7 +1979,7 @@
           <a:p>
             <a:fld id="{B9823432-C4CC-4493-A10D-76EE4CA89F0A}" type="datetimeFigureOut">
               <a:rPr lang="de-DE" smtClean="0"/>
-              <a:t>16.02.2023</a:t>
+              <a:t>17.02.2023</a:t>
             </a:fld>
             <a:endParaRPr lang="de-DE"/>
           </a:p>
@@ -2092,7 +2092,7 @@
           <a:p>
             <a:fld id="{B9823432-C4CC-4493-A10D-76EE4CA89F0A}" type="datetimeFigureOut">
               <a:rPr lang="de-DE" smtClean="0"/>
-              <a:t>16.02.2023</a:t>
+              <a:t>17.02.2023</a:t>
             </a:fld>
             <a:endParaRPr lang="de-DE"/>
           </a:p>
@@ -2405,7 +2405,7 @@
           <a:p>
             <a:fld id="{B9823432-C4CC-4493-A10D-76EE4CA89F0A}" type="datetimeFigureOut">
               <a:rPr lang="de-DE" smtClean="0"/>
-              <a:t>16.02.2023</a:t>
+              <a:t>17.02.2023</a:t>
             </a:fld>
             <a:endParaRPr lang="de-DE"/>
           </a:p>
@@ -2694,7 +2694,7 @@
           <a:p>
             <a:fld id="{B9823432-C4CC-4493-A10D-76EE4CA89F0A}" type="datetimeFigureOut">
               <a:rPr lang="de-DE" smtClean="0"/>
-              <a:t>16.02.2023</a:t>
+              <a:t>17.02.2023</a:t>
             </a:fld>
             <a:endParaRPr lang="de-DE"/>
           </a:p>
@@ -2937,7 +2937,7 @@
           <a:p>
             <a:fld id="{B9823432-C4CC-4493-A10D-76EE4CA89F0A}" type="datetimeFigureOut">
               <a:rPr lang="de-DE" smtClean="0"/>
-              <a:t>16.02.2023</a:t>
+              <a:t>17.02.2023</a:t>
             </a:fld>
             <a:endParaRPr lang="de-DE"/>
           </a:p>
@@ -4098,27 +4098,6 @@
           <a:bodyPr/>
           <a:lstStyle/>
           <a:p>
-            <a:r>
-              <a:rPr lang="de-DE" dirty="0" err="1"/>
-              <a:t>Aaa</a:t>
-            </a:r>
-            <a:endParaRPr lang="de-DE" dirty="0"/>
-          </a:p>
-          <a:p>
-            <a:r>
-              <a:rPr lang="de-DE" dirty="0" err="1"/>
-              <a:t>Bbb</a:t>
-            </a:r>
-            <a:endParaRPr lang="de-DE" dirty="0"/>
-          </a:p>
-          <a:p>
-            <a:r>
-              <a:rPr lang="de-DE" dirty="0" err="1"/>
-              <a:t>Ccc</a:t>
-            </a:r>
-            <a:endParaRPr lang="de-DE" dirty="0"/>
-          </a:p>
-          <a:p>
             <a:endParaRPr lang="de-DE" dirty="0"/>
           </a:p>
         </p:txBody>
@@ -4203,7 +4182,38 @@
           <a:bodyPr/>
           <a:lstStyle/>
           <a:p>
-            <a:endParaRPr lang="de-DE"/>
+            <a:r>
+              <a:rPr lang="de-DE" dirty="0" err="1"/>
+              <a:t>Aaa</a:t>
+            </a:r>
+            <a:endParaRPr lang="de-DE" dirty="0"/>
+          </a:p>
+          <a:p>
+            <a:r>
+              <a:rPr lang="de-DE" dirty="0" err="1"/>
+              <a:t>Bbb</a:t>
+            </a:r>
+            <a:endParaRPr lang="de-DE" dirty="0"/>
+          </a:p>
+          <a:p>
+            <a:r>
+              <a:rPr lang="de-DE" dirty="0" err="1"/>
+              <a:t>Ccc</a:t>
+            </a:r>
+            <a:endParaRPr lang="de-DE" dirty="0"/>
+          </a:p>
+          <a:p>
+            <a:r>
+              <a:rPr lang="de-DE" dirty="0" err="1"/>
+              <a:t>Ddd</a:t>
+            </a:r>
+            <a:endParaRPr lang="de-DE" dirty="0"/>
+          </a:p>
+          <a:p>
+            <a:r>
+              <a:rPr lang="de-DE"/>
+              <a:t>Eee</a:t>
+            </a:r>
           </a:p>
         </p:txBody>
       </p:sp>

--- a/vita.pptx
+++ b/vita.pptx
@@ -4098,6 +4098,10 @@
           <a:bodyPr/>
           <a:lstStyle/>
           <a:p>
+            <a:r>
+              <a:rPr lang="de-DE"/>
+              <a:t>Nadine Stamm</a:t>
+            </a:r>
             <a:endParaRPr lang="de-DE" dirty="0"/>
           </a:p>
         </p:txBody>

--- a/vita.pptx
+++ b/vita.pptx
@@ -268,7 +268,7 @@
           <a:p>
             <a:fld id="{B9823432-C4CC-4493-A10D-76EE4CA89F0A}" type="datetimeFigureOut">
               <a:rPr lang="de-DE" smtClean="0"/>
-              <a:t>17.02.2023</a:t>
+              <a:t>21.02.2023</a:t>
             </a:fld>
             <a:endParaRPr lang="de-DE"/>
           </a:p>
@@ -468,7 +468,7 @@
           <a:p>
             <a:fld id="{B9823432-C4CC-4493-A10D-76EE4CA89F0A}" type="datetimeFigureOut">
               <a:rPr lang="de-DE" smtClean="0"/>
-              <a:t>17.02.2023</a:t>
+              <a:t>21.02.2023</a:t>
             </a:fld>
             <a:endParaRPr lang="de-DE"/>
           </a:p>
@@ -678,7 +678,7 @@
           <a:p>
             <a:fld id="{B9823432-C4CC-4493-A10D-76EE4CA89F0A}" type="datetimeFigureOut">
               <a:rPr lang="de-DE" smtClean="0"/>
-              <a:t>17.02.2023</a:t>
+              <a:t>21.02.2023</a:t>
             </a:fld>
             <a:endParaRPr lang="de-DE"/>
           </a:p>
@@ -878,7 +878,7 @@
           <a:p>
             <a:fld id="{B9823432-C4CC-4493-A10D-76EE4CA89F0A}" type="datetimeFigureOut">
               <a:rPr lang="de-DE" smtClean="0"/>
-              <a:t>17.02.2023</a:t>
+              <a:t>21.02.2023</a:t>
             </a:fld>
             <a:endParaRPr lang="de-DE"/>
           </a:p>
@@ -1154,7 +1154,7 @@
           <a:p>
             <a:fld id="{B9823432-C4CC-4493-A10D-76EE4CA89F0A}" type="datetimeFigureOut">
               <a:rPr lang="de-DE" smtClean="0"/>
-              <a:t>17.02.2023</a:t>
+              <a:t>21.02.2023</a:t>
             </a:fld>
             <a:endParaRPr lang="de-DE"/>
           </a:p>
@@ -1422,7 +1422,7 @@
           <a:p>
             <a:fld id="{B9823432-C4CC-4493-A10D-76EE4CA89F0A}" type="datetimeFigureOut">
               <a:rPr lang="de-DE" smtClean="0"/>
-              <a:t>17.02.2023</a:t>
+              <a:t>21.02.2023</a:t>
             </a:fld>
             <a:endParaRPr lang="de-DE"/>
           </a:p>
@@ -1837,7 +1837,7 @@
           <a:p>
             <a:fld id="{B9823432-C4CC-4493-A10D-76EE4CA89F0A}" type="datetimeFigureOut">
               <a:rPr lang="de-DE" smtClean="0"/>
-              <a:t>17.02.2023</a:t>
+              <a:t>21.02.2023</a:t>
             </a:fld>
             <a:endParaRPr lang="de-DE"/>
           </a:p>
@@ -1979,7 +1979,7 @@
           <a:p>
             <a:fld id="{B9823432-C4CC-4493-A10D-76EE4CA89F0A}" type="datetimeFigureOut">
               <a:rPr lang="de-DE" smtClean="0"/>
-              <a:t>17.02.2023</a:t>
+              <a:t>21.02.2023</a:t>
             </a:fld>
             <a:endParaRPr lang="de-DE"/>
           </a:p>
@@ -2092,7 +2092,7 @@
           <a:p>
             <a:fld id="{B9823432-C4CC-4493-A10D-76EE4CA89F0A}" type="datetimeFigureOut">
               <a:rPr lang="de-DE" smtClean="0"/>
-              <a:t>17.02.2023</a:t>
+              <a:t>21.02.2023</a:t>
             </a:fld>
             <a:endParaRPr lang="de-DE"/>
           </a:p>
@@ -2405,7 +2405,7 @@
           <a:p>
             <a:fld id="{B9823432-C4CC-4493-A10D-76EE4CA89F0A}" type="datetimeFigureOut">
               <a:rPr lang="de-DE" smtClean="0"/>
-              <a:t>17.02.2023</a:t>
+              <a:t>21.02.2023</a:t>
             </a:fld>
             <a:endParaRPr lang="de-DE"/>
           </a:p>
@@ -2694,7 +2694,7 @@
           <a:p>
             <a:fld id="{B9823432-C4CC-4493-A10D-76EE4CA89F0A}" type="datetimeFigureOut">
               <a:rPr lang="de-DE" smtClean="0"/>
-              <a:t>17.02.2023</a:t>
+              <a:t>21.02.2023</a:t>
             </a:fld>
             <a:endParaRPr lang="de-DE"/>
           </a:p>
@@ -2937,7 +2937,7 @@
           <a:p>
             <a:fld id="{B9823432-C4CC-4493-A10D-76EE4CA89F0A}" type="datetimeFigureOut">
               <a:rPr lang="de-DE" smtClean="0"/>
-              <a:t>17.02.2023</a:t>
+              <a:t>21.02.2023</a:t>
             </a:fld>
             <a:endParaRPr lang="de-DE"/>
           </a:p>
@@ -3844,6 +3844,10 @@
           <a:bodyPr/>
           <a:lstStyle/>
           <a:p>
+            <a:r>
+              <a:rPr lang="de-DE"/>
+              <a:t>fhghfhfghfgh</a:t>
+            </a:r>
             <a:endParaRPr lang="de-DE" dirty="0"/>
           </a:p>
         </p:txBody>

--- a/vita.pptx
+++ b/vita.pptx
@@ -268,7 +268,7 @@
           <a:p>
             <a:fld id="{B9823432-C4CC-4493-A10D-76EE4CA89F0A}" type="datetimeFigureOut">
               <a:rPr lang="de-DE" smtClean="0"/>
-              <a:t>17.02.2023</a:t>
+              <a:t>21.02.2023</a:t>
             </a:fld>
             <a:endParaRPr lang="de-DE"/>
           </a:p>
@@ -468,7 +468,7 @@
           <a:p>
             <a:fld id="{B9823432-C4CC-4493-A10D-76EE4CA89F0A}" type="datetimeFigureOut">
               <a:rPr lang="de-DE" smtClean="0"/>
-              <a:t>17.02.2023</a:t>
+              <a:t>21.02.2023</a:t>
             </a:fld>
             <a:endParaRPr lang="de-DE"/>
           </a:p>
@@ -678,7 +678,7 @@
           <a:p>
             <a:fld id="{B9823432-C4CC-4493-A10D-76EE4CA89F0A}" type="datetimeFigureOut">
               <a:rPr lang="de-DE" smtClean="0"/>
-              <a:t>17.02.2023</a:t>
+              <a:t>21.02.2023</a:t>
             </a:fld>
             <a:endParaRPr lang="de-DE"/>
           </a:p>
@@ -878,7 +878,7 @@
           <a:p>
             <a:fld id="{B9823432-C4CC-4493-A10D-76EE4CA89F0A}" type="datetimeFigureOut">
               <a:rPr lang="de-DE" smtClean="0"/>
-              <a:t>17.02.2023</a:t>
+              <a:t>21.02.2023</a:t>
             </a:fld>
             <a:endParaRPr lang="de-DE"/>
           </a:p>
@@ -1154,7 +1154,7 @@
           <a:p>
             <a:fld id="{B9823432-C4CC-4493-A10D-76EE4CA89F0A}" type="datetimeFigureOut">
               <a:rPr lang="de-DE" smtClean="0"/>
-              <a:t>17.02.2023</a:t>
+              <a:t>21.02.2023</a:t>
             </a:fld>
             <a:endParaRPr lang="de-DE"/>
           </a:p>
@@ -1422,7 +1422,7 @@
           <a:p>
             <a:fld id="{B9823432-C4CC-4493-A10D-76EE4CA89F0A}" type="datetimeFigureOut">
               <a:rPr lang="de-DE" smtClean="0"/>
-              <a:t>17.02.2023</a:t>
+              <a:t>21.02.2023</a:t>
             </a:fld>
             <a:endParaRPr lang="de-DE"/>
           </a:p>
@@ -1837,7 +1837,7 @@
           <a:p>
             <a:fld id="{B9823432-C4CC-4493-A10D-76EE4CA89F0A}" type="datetimeFigureOut">
               <a:rPr lang="de-DE" smtClean="0"/>
-              <a:t>17.02.2023</a:t>
+              <a:t>21.02.2023</a:t>
             </a:fld>
             <a:endParaRPr lang="de-DE"/>
           </a:p>
@@ -1979,7 +1979,7 @@
           <a:p>
             <a:fld id="{B9823432-C4CC-4493-A10D-76EE4CA89F0A}" type="datetimeFigureOut">
               <a:rPr lang="de-DE" smtClean="0"/>
-              <a:t>17.02.2023</a:t>
+              <a:t>21.02.2023</a:t>
             </a:fld>
             <a:endParaRPr lang="de-DE"/>
           </a:p>
@@ -2092,7 +2092,7 @@
           <a:p>
             <a:fld id="{B9823432-C4CC-4493-A10D-76EE4CA89F0A}" type="datetimeFigureOut">
               <a:rPr lang="de-DE" smtClean="0"/>
-              <a:t>17.02.2023</a:t>
+              <a:t>21.02.2023</a:t>
             </a:fld>
             <a:endParaRPr lang="de-DE"/>
           </a:p>
@@ -2405,7 +2405,7 @@
           <a:p>
             <a:fld id="{B9823432-C4CC-4493-A10D-76EE4CA89F0A}" type="datetimeFigureOut">
               <a:rPr lang="de-DE" smtClean="0"/>
-              <a:t>17.02.2023</a:t>
+              <a:t>21.02.2023</a:t>
             </a:fld>
             <a:endParaRPr lang="de-DE"/>
           </a:p>
@@ -2694,7 +2694,7 @@
           <a:p>
             <a:fld id="{B9823432-C4CC-4493-A10D-76EE4CA89F0A}" type="datetimeFigureOut">
               <a:rPr lang="de-DE" smtClean="0"/>
-              <a:t>17.02.2023</a:t>
+              <a:t>21.02.2023</a:t>
             </a:fld>
             <a:endParaRPr lang="de-DE"/>
           </a:p>
@@ -2937,7 +2937,7 @@
           <a:p>
             <a:fld id="{B9823432-C4CC-4493-A10D-76EE4CA89F0A}" type="datetimeFigureOut">
               <a:rPr lang="de-DE" smtClean="0"/>
-              <a:t>17.02.2023</a:t>
+              <a:t>21.02.2023</a:t>
             </a:fld>
             <a:endParaRPr lang="de-DE"/>
           </a:p>
@@ -3927,7 +3927,14 @@
           <a:bodyPr/>
           <a:lstStyle/>
           <a:p>
-            <a:endParaRPr lang="de-DE"/>
+            <a:r>
+              <a:rPr lang="de-DE" dirty="0"/>
+              <a:t>Ich bin </a:t>
+            </a:r>
+            <a:r>
+              <a:rPr lang="de-DE"/>
+              <a:t>Navid Ahmadi</a:t>
+            </a:r>
           </a:p>
         </p:txBody>
       </p:sp>

--- a/vita.pptx
+++ b/vita.pptx
@@ -268,7 +268,7 @@
           <a:p>
             <a:fld id="{B9823432-C4CC-4493-A10D-76EE4CA89F0A}" type="datetimeFigureOut">
               <a:rPr lang="de-DE" smtClean="0"/>
-              <a:t>21.02.2023</a:t>
+              <a:t>22.02.2023</a:t>
             </a:fld>
             <a:endParaRPr lang="de-DE"/>
           </a:p>
@@ -468,7 +468,7 @@
           <a:p>
             <a:fld id="{B9823432-C4CC-4493-A10D-76EE4CA89F0A}" type="datetimeFigureOut">
               <a:rPr lang="de-DE" smtClean="0"/>
-              <a:t>21.02.2023</a:t>
+              <a:t>22.02.2023</a:t>
             </a:fld>
             <a:endParaRPr lang="de-DE"/>
           </a:p>
@@ -678,7 +678,7 @@
           <a:p>
             <a:fld id="{B9823432-C4CC-4493-A10D-76EE4CA89F0A}" type="datetimeFigureOut">
               <a:rPr lang="de-DE" smtClean="0"/>
-              <a:t>21.02.2023</a:t>
+              <a:t>22.02.2023</a:t>
             </a:fld>
             <a:endParaRPr lang="de-DE"/>
           </a:p>
@@ -878,7 +878,7 @@
           <a:p>
             <a:fld id="{B9823432-C4CC-4493-A10D-76EE4CA89F0A}" type="datetimeFigureOut">
               <a:rPr lang="de-DE" smtClean="0"/>
-              <a:t>21.02.2023</a:t>
+              <a:t>22.02.2023</a:t>
             </a:fld>
             <a:endParaRPr lang="de-DE"/>
           </a:p>
@@ -1154,7 +1154,7 @@
           <a:p>
             <a:fld id="{B9823432-C4CC-4493-A10D-76EE4CA89F0A}" type="datetimeFigureOut">
               <a:rPr lang="de-DE" smtClean="0"/>
-              <a:t>21.02.2023</a:t>
+              <a:t>22.02.2023</a:t>
             </a:fld>
             <a:endParaRPr lang="de-DE"/>
           </a:p>
@@ -1422,7 +1422,7 @@
           <a:p>
             <a:fld id="{B9823432-C4CC-4493-A10D-76EE4CA89F0A}" type="datetimeFigureOut">
               <a:rPr lang="de-DE" smtClean="0"/>
-              <a:t>21.02.2023</a:t>
+              <a:t>22.02.2023</a:t>
             </a:fld>
             <a:endParaRPr lang="de-DE"/>
           </a:p>
@@ -1837,7 +1837,7 @@
           <a:p>
             <a:fld id="{B9823432-C4CC-4493-A10D-76EE4CA89F0A}" type="datetimeFigureOut">
               <a:rPr lang="de-DE" smtClean="0"/>
-              <a:t>21.02.2023</a:t>
+              <a:t>22.02.2023</a:t>
             </a:fld>
             <a:endParaRPr lang="de-DE"/>
           </a:p>
@@ -1979,7 +1979,7 @@
           <a:p>
             <a:fld id="{B9823432-C4CC-4493-A10D-76EE4CA89F0A}" type="datetimeFigureOut">
               <a:rPr lang="de-DE" smtClean="0"/>
-              <a:t>21.02.2023</a:t>
+              <a:t>22.02.2023</a:t>
             </a:fld>
             <a:endParaRPr lang="de-DE"/>
           </a:p>
@@ -2092,7 +2092,7 @@
           <a:p>
             <a:fld id="{B9823432-C4CC-4493-A10D-76EE4CA89F0A}" type="datetimeFigureOut">
               <a:rPr lang="de-DE" smtClean="0"/>
-              <a:t>21.02.2023</a:t>
+              <a:t>22.02.2023</a:t>
             </a:fld>
             <a:endParaRPr lang="de-DE"/>
           </a:p>
@@ -2405,7 +2405,7 @@
           <a:p>
             <a:fld id="{B9823432-C4CC-4493-A10D-76EE4CA89F0A}" type="datetimeFigureOut">
               <a:rPr lang="de-DE" smtClean="0"/>
-              <a:t>21.02.2023</a:t>
+              <a:t>22.02.2023</a:t>
             </a:fld>
             <a:endParaRPr lang="de-DE"/>
           </a:p>
@@ -2694,7 +2694,7 @@
           <a:p>
             <a:fld id="{B9823432-C4CC-4493-A10D-76EE4CA89F0A}" type="datetimeFigureOut">
               <a:rPr lang="de-DE" smtClean="0"/>
-              <a:t>21.02.2023</a:t>
+              <a:t>22.02.2023</a:t>
             </a:fld>
             <a:endParaRPr lang="de-DE"/>
           </a:p>
@@ -2937,7 +2937,7 @@
           <a:p>
             <a:fld id="{B9823432-C4CC-4493-A10D-76EE4CA89F0A}" type="datetimeFigureOut">
               <a:rPr lang="de-DE" smtClean="0"/>
-              <a:t>21.02.2023</a:t>
+              <a:t>22.02.2023</a:t>
             </a:fld>
             <a:endParaRPr lang="de-DE"/>
           </a:p>
@@ -3385,15 +3385,7 @@
             </a:r>
             <a:r>
               <a:rPr lang="de-DE" dirty="0"/>
-              <a:t> </a:t>
-            </a:r>
-            <a:r>
-              <a:rPr lang="de-DE" dirty="0" err="1"/>
-              <a:t>git</a:t>
-            </a:r>
-            <a:r>
-              <a:rPr lang="de-DE" dirty="0"/>
-              <a:t> </a:t>
+              <a:t> git </a:t>
             </a:r>
             <a:r>
               <a:rPr lang="de-DE" dirty="0" err="1"/>
@@ -3548,12 +3540,8 @@
           <a:lstStyle/>
           <a:p>
             <a:r>
-              <a:rPr lang="de-DE" dirty="0" err="1"/>
-              <a:t>git</a:t>
-            </a:r>
-            <a:r>
               <a:rPr lang="de-DE" dirty="0"/>
-              <a:t> pull </a:t>
+              <a:t>git pull </a:t>
             </a:r>
           </a:p>
           <a:p>
@@ -3573,12 +3561,8 @@
           </a:p>
           <a:p>
             <a:r>
-              <a:rPr lang="de-DE" dirty="0" err="1"/>
-              <a:t>git</a:t>
-            </a:r>
-            <a:r>
               <a:rPr lang="de-DE" dirty="0"/>
-              <a:t> push </a:t>
+              <a:t>git push </a:t>
             </a:r>
             <a:r>
               <a:rPr lang="de-DE" dirty="0" err="1"/>
@@ -3664,12 +3648,8 @@
           </a:p>
           <a:p>
             <a:r>
-              <a:rPr lang="de-DE" dirty="0" err="1"/>
-              <a:t>git</a:t>
-            </a:r>
-            <a:r>
               <a:rPr lang="de-DE" dirty="0"/>
-              <a:t> </a:t>
+              <a:t>git </a:t>
             </a:r>
             <a:r>
               <a:rPr lang="de-DE" dirty="0" err="1"/>
@@ -14617,7 +14597,7 @@
           <a:lstStyle/>
           <a:p>
             <a:r>
-              <a:rPr lang="en-US" sz="7200" kern="1200">
+              <a:rPr lang="en-US" sz="7200" kern="1200" dirty="0">
                 <a:solidFill>
                   <a:schemeClr val="bg1"/>
                 </a:solidFill>
@@ -14662,9 +14642,88 @@
               <a:buNone/>
             </a:pPr>
             <a:r>
-              <a:rPr lang="en-US" sz="2400" kern="1200">
+              <a:rPr lang="de-DE" sz="3300" b="1" i="1" strike="noStrike" dirty="0">
                 <a:solidFill>
-                  <a:schemeClr val="bg1"/>
+                  <a:schemeClr val="tx2">
+                    <a:lumMod val="20000"/>
+                    <a:lumOff val="80000"/>
+                  </a:schemeClr>
+                </a:solidFill>
+                <a:effectLst/>
+                <a:latin typeface="Comic Sans MS" panose="030F0702030302020204" pitchFamily="66" charset="0"/>
+                <a:hlinkClick r:id="rId3" tooltip="de.wikipedia.org">
+                  <a:extLst>
+                    <a:ext uri="{A12FA001-AC4F-418D-AE19-62706E023703}">
+                      <ahyp:hlinkClr xmlns:ahyp="http://schemas.microsoft.com/office/drawing/2018/hyperlinkcolor" val="tx"/>
+                    </a:ext>
+                  </a:extLst>
+                </a:hlinkClick>
+              </a:rPr>
+              <a:t>Datenbankdesign ist das Planen und Erstellen einer Datenbank</a:t>
+            </a:r>
+          </a:p>
+          <a:p>
+            <a:pPr marL="0" indent="0">
+              <a:buNone/>
+            </a:pPr>
+            <a:endParaRPr lang="de-DE" sz="3300" b="1" i="1" strike="noStrike" dirty="0">
+              <a:solidFill>
+                <a:schemeClr val="tx2">
+                  <a:lumMod val="20000"/>
+                  <a:lumOff val="80000"/>
+                </a:schemeClr>
+              </a:solidFill>
+              <a:effectLst/>
+              <a:latin typeface="Comic Sans MS" panose="030F0702030302020204" pitchFamily="66" charset="0"/>
+              <a:hlinkClick r:id="rId3" tooltip="de.wikipedia.org">
+                <a:extLst>
+                  <a:ext uri="{A12FA001-AC4F-418D-AE19-62706E023703}">
+                    <ahyp:hlinkClr xmlns:ahyp="http://schemas.microsoft.com/office/drawing/2018/hyperlinkcolor" val="tx"/>
+                  </a:ext>
+                </a:extLst>
+              </a:hlinkClick>
+            </a:endParaRPr>
+          </a:p>
+        </p:txBody>
+      </p:sp>
+      <p:sp>
+        <p:nvSpPr>
+          <p:cNvPr id="4" name="Textfeld 3">
+            <a:extLst>
+              <a:ext uri="{FF2B5EF4-FFF2-40B4-BE49-F238E27FC236}">
+                <a16:creationId xmlns:a16="http://schemas.microsoft.com/office/drawing/2014/main" id="{29EFE4BA-54D5-FE4C-5366-592D4D6CB7D2}"/>
+              </a:ext>
+            </a:extLst>
+          </p:cNvPr>
+          <p:cNvSpPr txBox="1"/>
+          <p:nvPr/>
+        </p:nvSpPr>
+        <p:spPr>
+          <a:xfrm>
+            <a:off x="10404764" y="6207590"/>
+            <a:ext cx="2757054" cy="369332"/>
+          </a:xfrm>
+          <a:prstGeom prst="rect">
+            <a:avLst/>
+          </a:prstGeom>
+          <a:noFill/>
+        </p:spPr>
+        <p:txBody>
+          <a:bodyPr wrap="square" rtlCol="0">
+            <a:spAutoFit/>
+          </a:bodyPr>
+          <a:lstStyle/>
+          <a:p>
+            <a:pPr marL="0" indent="0">
+              <a:buNone/>
+            </a:pPr>
+            <a:r>
+              <a:rPr lang="en-US" sz="1800" kern="1200" dirty="0">
+                <a:solidFill>
+                  <a:schemeClr val="accent1">
+                    <a:lumMod val="60000"/>
+                    <a:lumOff val="40000"/>
+                  </a:schemeClr>
                 </a:solidFill>
                 <a:latin typeface="+mn-lt"/>
                 <a:ea typeface="+mn-ea"/>
